--- a/_site/2014_07_23/SequenceTracking.pptx
+++ b/_site/2014_07_23/SequenceTracking.pptx
@@ -5,7 +5,7 @@
     <p:sldMasterId id="2147483730" r:id="rId1"/>
   </p:sldMasterIdLst>
   <p:notesMasterIdLst>
-    <p:notesMasterId r:id="rId24"/>
+    <p:notesMasterId r:id="rId26"/>
   </p:notesMasterIdLst>
   <p:sldIdLst>
     <p:sldId id="256" r:id="rId2"/>
@@ -29,7 +29,9 @@
     <p:sldId id="278" r:id="rId20"/>
     <p:sldId id="279" r:id="rId21"/>
     <p:sldId id="269" r:id="rId22"/>
-    <p:sldId id="280" r:id="rId23"/>
+    <p:sldId id="281" r:id="rId23"/>
+    <p:sldId id="282" r:id="rId24"/>
+    <p:sldId id="280" r:id="rId25"/>
   </p:sldIdLst>
   <p:sldSz cx="9144000" cy="6858000" type="screen4x3"/>
   <p:notesSz cx="6858000" cy="9144000"/>
@@ -213,7 +215,7 @@
           <a:p>
             <a:fld id="{5EA87592-5D9E-DE4F-8106-C3F97ACF2B82}" type="datetimeFigureOut">
               <a:rPr lang="en-US" smtClean="0"/>
-              <a:t>7/18/14</a:t>
+              <a:t>7/22/14</a:t>
             </a:fld>
             <a:endParaRPr lang="en-US"/>
           </a:p>
@@ -1222,7 +1224,7 @@
           <a:p>
             <a:fld id="{7CE38E4D-051A-41E1-86A4-E56916468FD0}" type="datetimeFigureOut">
               <a:rPr lang="en-US" smtClean="0"/>
-              <a:t>7/18/14</a:t>
+              <a:t>7/22/14</a:t>
             </a:fld>
             <a:endParaRPr lang="en-US"/>
           </a:p>
@@ -1432,7 +1434,7 @@
           <a:p>
             <a:fld id="{7CE38E4D-051A-41E1-86A4-E56916468FD0}" type="datetimeFigureOut">
               <a:rPr lang="en-US" smtClean="0"/>
-              <a:t>7/18/14</a:t>
+              <a:t>7/22/14</a:t>
             </a:fld>
             <a:endParaRPr lang="en-US"/>
           </a:p>
@@ -1642,7 +1644,7 @@
           <a:p>
             <a:fld id="{7CE38E4D-051A-41E1-86A4-E56916468FD0}" type="datetimeFigureOut">
               <a:rPr lang="en-US" smtClean="0"/>
-              <a:t>7/18/14</a:t>
+              <a:t>7/22/14</a:t>
             </a:fld>
             <a:endParaRPr lang="en-US"/>
           </a:p>
@@ -3862,7 +3864,7 @@
           <a:p>
             <a:fld id="{7CE38E4D-051A-41E1-86A4-E56916468FD0}" type="datetimeFigureOut">
               <a:rPr lang="en-US" smtClean="0"/>
-              <a:t>7/18/14</a:t>
+              <a:t>7/22/14</a:t>
             </a:fld>
             <a:endParaRPr lang="en-US"/>
           </a:p>
@@ -4138,7 +4140,7 @@
           <a:p>
             <a:fld id="{7CE38E4D-051A-41E1-86A4-E56916468FD0}" type="datetimeFigureOut">
               <a:rPr lang="en-US" smtClean="0"/>
-              <a:t>7/18/14</a:t>
+              <a:t>7/22/14</a:t>
             </a:fld>
             <a:endParaRPr lang="en-US"/>
           </a:p>
@@ -4464,7 +4466,7 @@
           <a:p>
             <a:fld id="{7CE38E4D-051A-41E1-86A4-E56916468FD0}" type="datetimeFigureOut">
               <a:rPr lang="en-US" smtClean="0"/>
-              <a:t>7/18/14</a:t>
+              <a:t>7/22/14</a:t>
             </a:fld>
             <a:endParaRPr lang="en-US"/>
           </a:p>
@@ -4930,7 +4932,7 @@
           <a:p>
             <a:fld id="{7CE38E4D-051A-41E1-86A4-E56916468FD0}" type="datetimeFigureOut">
               <a:rPr lang="en-US" smtClean="0"/>
-              <a:t>7/18/14</a:t>
+              <a:t>7/22/14</a:t>
             </a:fld>
             <a:endParaRPr lang="en-US"/>
           </a:p>
@@ -5080,7 +5082,7 @@
           <a:p>
             <a:fld id="{7CE38E4D-051A-41E1-86A4-E56916468FD0}" type="datetimeFigureOut">
               <a:rPr lang="en-US" smtClean="0"/>
-              <a:t>7/18/14</a:t>
+              <a:t>7/22/14</a:t>
             </a:fld>
             <a:endParaRPr lang="en-US"/>
           </a:p>
@@ -5199,7 +5201,7 @@
           <a:p>
             <a:fld id="{7CE38E4D-051A-41E1-86A4-E56916468FD0}" type="datetimeFigureOut">
               <a:rPr lang="en-US" smtClean="0"/>
-              <a:t>7/18/14</a:t>
+              <a:t>7/22/14</a:t>
             </a:fld>
             <a:endParaRPr lang="en-US"/>
           </a:p>
@@ -5509,7 +5511,7 @@
           <a:p>
             <a:fld id="{7CE38E4D-051A-41E1-86A4-E56916468FD0}" type="datetimeFigureOut">
               <a:rPr lang="en-US" smtClean="0"/>
-              <a:t>7/18/14</a:t>
+              <a:t>7/22/14</a:t>
             </a:fld>
             <a:endParaRPr lang="en-US"/>
           </a:p>
@@ -5799,7 +5801,7 @@
           <a:p>
             <a:fld id="{7CE38E4D-051A-41E1-86A4-E56916468FD0}" type="datetimeFigureOut">
               <a:rPr lang="en-US" smtClean="0"/>
-              <a:t>7/18/14</a:t>
+              <a:t>7/22/14</a:t>
             </a:fld>
             <a:endParaRPr lang="en-US"/>
           </a:p>
@@ -6322,11 +6324,7 @@
           <a:p>
             <a:r>
               <a:rPr lang="en-US" dirty="0" smtClean="0"/>
-              <a:t>Short Course in Medical Genetics </a:t>
-            </a:r>
-            <a:r>
-              <a:rPr lang="en-US" dirty="0" smtClean="0"/>
-              <a:t>2014</a:t>
+              <a:t>Short Course in Medical Genetics 2014</a:t>
             </a:r>
             <a:endParaRPr lang="en-US" dirty="0"/>
           </a:p>
@@ -6605,8 +6603,8 @@
         </p:nvSpPr>
         <p:spPr>
           <a:xfrm>
-            <a:off x="0" y="6488668"/>
-            <a:ext cx="2945525" cy="369332"/>
+            <a:off x="0" y="6410516"/>
+            <a:ext cx="3865812" cy="461665"/>
           </a:xfrm>
           <a:prstGeom prst="rect">
             <a:avLst/>
@@ -6620,7 +6618,7 @@
           <a:lstStyle/>
           <a:p>
             <a:r>
-              <a:rPr lang="en-US" dirty="0" smtClean="0">
+              <a:rPr lang="en-US" sz="2400" dirty="0" smtClean="0">
                 <a:solidFill>
                   <a:schemeClr val="tx1">
                     <a:lumMod val="65000"/>
@@ -6631,7 +6629,7 @@
               <a:t>* But were tracked by </a:t>
             </a:r>
             <a:r>
-              <a:rPr lang="en-US" dirty="0" err="1" smtClean="0">
+              <a:rPr lang="en-US" sz="2400" dirty="0" err="1" smtClean="0">
                 <a:solidFill>
                   <a:schemeClr val="tx1">
                     <a:lumMod val="65000"/>
@@ -6641,7 +6639,7 @@
               </a:rPr>
               <a:t>RefSeq</a:t>
             </a:r>
-            <a:endParaRPr lang="en-US" dirty="0">
+            <a:endParaRPr lang="en-US" sz="2400" dirty="0">
               <a:solidFill>
                 <a:schemeClr val="tx1">
                   <a:lumMod val="65000"/>
@@ -6885,87 +6883,11 @@
         <p:grpSpPr>
           <a:xfrm>
             <a:off x="838200" y="969552"/>
-            <a:ext cx="3997497" cy="1981200"/>
+            <a:ext cx="4495074" cy="1981200"/>
             <a:chOff x="838200" y="533400"/>
-            <a:chExt cx="3997497" cy="1981200"/>
+            <a:chExt cx="4495074" cy="1981200"/>
           </a:xfrm>
         </p:grpSpPr>
-        <p:sp>
-          <p:nvSpPr>
-            <p:cNvPr id="2" name="TextBox 1"/>
-            <p:cNvSpPr txBox="1"/>
-            <p:nvPr/>
-          </p:nvSpPr>
-          <p:spPr>
-            <a:xfrm>
-              <a:off x="2971800" y="1447800"/>
-              <a:ext cx="1318690" cy="769441"/>
-            </a:xfrm>
-            <a:prstGeom prst="rect">
-              <a:avLst/>
-            </a:prstGeom>
-            <a:noFill/>
-          </p:spPr>
-          <p:txBody>
-            <a:bodyPr wrap="none" rtlCol="0">
-              <a:spAutoFit/>
-            </a:bodyPr>
-            <a:lstStyle/>
-            <a:p>
-              <a:r>
-                <a:rPr lang="en-US" sz="4400" dirty="0" smtClean="0">
-                  <a:solidFill>
-                    <a:srgbClr val="336699"/>
-                  </a:solidFill>
-                </a:rPr>
-                <a:t>hg19</a:t>
-              </a:r>
-              <a:endParaRPr lang="en-US" sz="4400" dirty="0">
-                <a:solidFill>
-                  <a:srgbClr val="336699"/>
-                </a:solidFill>
-              </a:endParaRPr>
-            </a:p>
-          </p:txBody>
-        </p:sp>
-        <p:sp>
-          <p:nvSpPr>
-            <p:cNvPr id="3" name="TextBox 2"/>
-            <p:cNvSpPr txBox="1"/>
-            <p:nvPr/>
-          </p:nvSpPr>
-          <p:spPr>
-            <a:xfrm>
-              <a:off x="2819400" y="609600"/>
-              <a:ext cx="2016297" cy="769441"/>
-            </a:xfrm>
-            <a:prstGeom prst="rect">
-              <a:avLst/>
-            </a:prstGeom>
-            <a:noFill/>
-          </p:spPr>
-          <p:txBody>
-            <a:bodyPr wrap="none" rtlCol="0">
-              <a:spAutoFit/>
-            </a:bodyPr>
-            <a:lstStyle/>
-            <a:p>
-              <a:r>
-                <a:rPr lang="en-US" sz="4400" dirty="0" smtClean="0">
-                  <a:solidFill>
-                    <a:srgbClr val="336699"/>
-                  </a:solidFill>
-                </a:rPr>
-                <a:t>GRCh37</a:t>
-              </a:r>
-              <a:endParaRPr lang="en-US" sz="4400" dirty="0">
-                <a:solidFill>
-                  <a:srgbClr val="336699"/>
-                </a:solidFill>
-              </a:endParaRPr>
-            </a:p>
-          </p:txBody>
-        </p:sp>
         <p:pic>
           <p:nvPicPr>
             <p:cNvPr id="9" name="Picture 8" descr="vitruvian_man.jpg"/>
@@ -6990,31 +6912,16 @@
             </a:prstGeom>
           </p:spPr>
         </p:pic>
-      </p:grpSp>
-      <p:grpSp>
-        <p:nvGrpSpPr>
-          <p:cNvPr id="16" name="Group 15"/>
-          <p:cNvGrpSpPr/>
-          <p:nvPr/>
-        </p:nvGrpSpPr>
-        <p:grpSpPr>
-          <a:xfrm>
-            <a:off x="1219200" y="4855752"/>
-            <a:ext cx="5401253" cy="1836241"/>
-            <a:chOff x="1219200" y="4419600"/>
-            <a:chExt cx="5401253" cy="1836241"/>
-          </a:xfrm>
-        </p:grpSpPr>
         <p:sp>
           <p:nvSpPr>
-            <p:cNvPr id="6" name="TextBox 5"/>
+            <p:cNvPr id="18" name="TextBox 17"/>
             <p:cNvSpPr txBox="1"/>
             <p:nvPr/>
           </p:nvSpPr>
           <p:spPr>
             <a:xfrm>
-              <a:off x="2667000" y="5181600"/>
-              <a:ext cx="1372140" cy="769441"/>
+              <a:off x="3316977" y="533400"/>
+              <a:ext cx="2016297" cy="769441"/>
             </a:xfrm>
             <a:prstGeom prst="rect">
               <a:avLst/>
@@ -7033,7 +6940,98 @@
                     <a:srgbClr val="336699"/>
                   </a:solidFill>
                 </a:rPr>
-                <a:t>mm8</a:t>
+                <a:t>GRCh38</a:t>
+              </a:r>
+              <a:endParaRPr lang="en-US" sz="4400" dirty="0">
+                <a:solidFill>
+                  <a:srgbClr val="336699"/>
+                </a:solidFill>
+              </a:endParaRPr>
+            </a:p>
+          </p:txBody>
+        </p:sp>
+        <p:sp>
+          <p:nvSpPr>
+            <p:cNvPr id="19" name="TextBox 18"/>
+            <p:cNvSpPr txBox="1"/>
+            <p:nvPr/>
+          </p:nvSpPr>
+          <p:spPr>
+            <a:xfrm>
+              <a:off x="3402946" y="1328685"/>
+              <a:ext cx="1318690" cy="769441"/>
+            </a:xfrm>
+            <a:prstGeom prst="rect">
+              <a:avLst/>
+            </a:prstGeom>
+            <a:noFill/>
+          </p:spPr>
+          <p:txBody>
+            <a:bodyPr wrap="none" rtlCol="0">
+              <a:spAutoFit/>
+            </a:bodyPr>
+            <a:lstStyle/>
+            <a:p>
+              <a:r>
+                <a:rPr lang="en-US" sz="4400" dirty="0" smtClean="0">
+                  <a:solidFill>
+                    <a:srgbClr val="336699"/>
+                  </a:solidFill>
+                </a:rPr>
+                <a:t>hg18</a:t>
+              </a:r>
+              <a:endParaRPr lang="en-US" sz="4400" dirty="0">
+                <a:solidFill>
+                  <a:srgbClr val="336699"/>
+                </a:solidFill>
+              </a:endParaRPr>
+            </a:p>
+          </p:txBody>
+        </p:sp>
+      </p:grpSp>
+      <p:grpSp>
+        <p:nvGrpSpPr>
+          <p:cNvPr id="16" name="Group 15"/>
+          <p:cNvGrpSpPr/>
+          <p:nvPr/>
+        </p:nvGrpSpPr>
+        <p:grpSpPr>
+          <a:xfrm>
+            <a:off x="1219200" y="4855752"/>
+            <a:ext cx="4456586" cy="1762125"/>
+            <a:chOff x="1219200" y="4419600"/>
+            <a:chExt cx="4456586" cy="1762125"/>
+          </a:xfrm>
+        </p:grpSpPr>
+        <p:sp>
+          <p:nvSpPr>
+            <p:cNvPr id="6" name="TextBox 5"/>
+            <p:cNvSpPr txBox="1"/>
+            <p:nvPr/>
+          </p:nvSpPr>
+          <p:spPr>
+            <a:xfrm>
+              <a:off x="2667000" y="5181600"/>
+              <a:ext cx="1658126" cy="769441"/>
+            </a:xfrm>
+            <a:prstGeom prst="rect">
+              <a:avLst/>
+            </a:prstGeom>
+            <a:noFill/>
+          </p:spPr>
+          <p:txBody>
+            <a:bodyPr wrap="none" rtlCol="0">
+              <a:spAutoFit/>
+            </a:bodyPr>
+            <a:lstStyle/>
+            <a:p>
+              <a:r>
+                <a:rPr lang="en-US" sz="4400" dirty="0" smtClean="0">
+                  <a:solidFill>
+                    <a:srgbClr val="336699"/>
+                  </a:solidFill>
+                </a:rPr>
+                <a:t>mm10</a:t>
               </a:r>
               <a:endParaRPr lang="en-US" sz="4400" dirty="0">
                 <a:solidFill>
@@ -7052,7 +7050,7 @@
           <p:spPr>
             <a:xfrm>
               <a:off x="3505200" y="4572000"/>
-              <a:ext cx="2410010" cy="769441"/>
+              <a:ext cx="2170586" cy="769441"/>
             </a:xfrm>
             <a:prstGeom prst="rect">
               <a:avLst/>
@@ -7071,45 +7069,7 @@
                     <a:srgbClr val="336699"/>
                   </a:solidFill>
                 </a:rPr>
-                <a:t>MGSCv37</a:t>
-              </a:r>
-              <a:endParaRPr lang="en-US" sz="4400" dirty="0">
-                <a:solidFill>
-                  <a:srgbClr val="336699"/>
-                </a:solidFill>
-              </a:endParaRPr>
-            </a:p>
-          </p:txBody>
-        </p:sp>
-        <p:sp>
-          <p:nvSpPr>
-            <p:cNvPr id="8" name="TextBox 7"/>
-            <p:cNvSpPr txBox="1"/>
-            <p:nvPr/>
-          </p:nvSpPr>
-          <p:spPr>
-            <a:xfrm>
-              <a:off x="4267200" y="5486400"/>
-              <a:ext cx="2353253" cy="769441"/>
-            </a:xfrm>
-            <a:prstGeom prst="rect">
-              <a:avLst/>
-            </a:prstGeom>
-            <a:noFill/>
-          </p:spPr>
-          <p:txBody>
-            <a:bodyPr wrap="none" rtlCol="0">
-              <a:spAutoFit/>
-            </a:bodyPr>
-            <a:lstStyle/>
-            <a:p>
-              <a:r>
-                <a:rPr lang="en-US" sz="4400" dirty="0" smtClean="0">
-                  <a:solidFill>
-                    <a:srgbClr val="336699"/>
-                  </a:solidFill>
-                </a:rPr>
-                <a:t>NCBIM37</a:t>
+                <a:t>GRCm38</a:t>
               </a:r>
               <a:endParaRPr lang="en-US" sz="4400" dirty="0">
                 <a:solidFill>
@@ -7153,9 +7113,9 @@
         <p:grpSpPr>
           <a:xfrm>
             <a:off x="3679725" y="3096532"/>
-            <a:ext cx="5464275" cy="1455241"/>
+            <a:ext cx="5470487" cy="1455241"/>
             <a:chOff x="3679725" y="2660380"/>
-            <a:chExt cx="5464275" cy="1455241"/>
+            <a:chExt cx="5470487" cy="1455241"/>
           </a:xfrm>
         </p:grpSpPr>
         <p:sp>
@@ -7167,7 +7127,7 @@
           <p:spPr>
             <a:xfrm>
               <a:off x="7032525" y="3346180"/>
-              <a:ext cx="2111475" cy="769441"/>
+              <a:ext cx="2117687" cy="769441"/>
             </a:xfrm>
             <a:prstGeom prst="rect">
               <a:avLst/>
@@ -7186,7 +7146,7 @@
                     <a:srgbClr val="336699"/>
                   </a:solidFill>
                 </a:rPr>
-                <a:t>danRer5</a:t>
+                <a:t>danRer7</a:t>
               </a:r>
               <a:endParaRPr lang="en-US" sz="4400" dirty="0">
                 <a:solidFill>
@@ -7224,7 +7184,7 @@
                     <a:srgbClr val="336699"/>
                   </a:solidFill>
                 </a:rPr>
-                <a:t>Zv7</a:t>
+                <a:t>Zv9</a:t>
               </a:r>
               <a:endParaRPr lang="en-US" sz="4400" dirty="0">
                 <a:solidFill>
@@ -12682,6 +12642,382 @@
         </p:nvSpPr>
         <p:spPr>
           <a:xfrm>
+            <a:off x="0" y="49807"/>
+            <a:ext cx="7252782" cy="646331"/>
+          </a:xfrm>
+          <a:prstGeom prst="rect">
+            <a:avLst/>
+          </a:prstGeom>
+          <a:noFill/>
+        </p:spPr>
+        <p:txBody>
+          <a:bodyPr wrap="none" rtlCol="0">
+            <a:spAutoFit/>
+          </a:bodyPr>
+          <a:lstStyle/>
+          <a:p>
+            <a:r>
+              <a:rPr lang="en-US" sz="3600" dirty="0" smtClean="0">
+                <a:solidFill>
+                  <a:srgbClr val="008000"/>
+                </a:solidFill>
+                <a:latin typeface="+mj-lt"/>
+              </a:rPr>
+              <a:t>Annotation should have versions too!</a:t>
+            </a:r>
+            <a:endParaRPr lang="en-US" sz="3600" dirty="0">
+              <a:solidFill>
+                <a:srgbClr val="008000"/>
+              </a:solidFill>
+              <a:latin typeface="+mj-lt"/>
+            </a:endParaRPr>
+          </a:p>
+        </p:txBody>
+      </p:sp>
+      <p:sp>
+        <p:nvSpPr>
+          <p:cNvPr id="3" name="TextBox 2"/>
+          <p:cNvSpPr txBox="1"/>
+          <p:nvPr/>
+        </p:nvSpPr>
+        <p:spPr>
+          <a:xfrm>
+            <a:off x="683846" y="1376160"/>
+            <a:ext cx="6092333" cy="1077218"/>
+          </a:xfrm>
+          <a:prstGeom prst="rect">
+            <a:avLst/>
+          </a:prstGeom>
+          <a:noFill/>
+        </p:spPr>
+        <p:txBody>
+          <a:bodyPr wrap="none" rtlCol="0">
+            <a:spAutoFit/>
+          </a:bodyPr>
+          <a:lstStyle/>
+          <a:p>
+            <a:r>
+              <a:rPr lang="en-US" sz="3200" dirty="0" smtClean="0"/>
+              <a:t>NCBI Homo sapiens annotation 105</a:t>
+            </a:r>
+          </a:p>
+          <a:p>
+            <a:r>
+              <a:rPr lang="en-US" sz="3200" dirty="0" smtClean="0"/>
+              <a:t>NCBI Homo sapiens annotation 106</a:t>
+            </a:r>
+            <a:endParaRPr lang="en-US" sz="3200" dirty="0"/>
+          </a:p>
+        </p:txBody>
+      </p:sp>
+      <p:sp>
+        <p:nvSpPr>
+          <p:cNvPr id="4" name="TextBox 3"/>
+          <p:cNvSpPr txBox="1"/>
+          <p:nvPr/>
+        </p:nvSpPr>
+        <p:spPr>
+          <a:xfrm>
+            <a:off x="683846" y="3365131"/>
+            <a:ext cx="2111676" cy="1077218"/>
+          </a:xfrm>
+          <a:prstGeom prst="rect">
+            <a:avLst/>
+          </a:prstGeom>
+          <a:noFill/>
+        </p:spPr>
+        <p:txBody>
+          <a:bodyPr wrap="none" rtlCol="0">
+            <a:spAutoFit/>
+          </a:bodyPr>
+          <a:lstStyle/>
+          <a:p>
+            <a:r>
+              <a:rPr lang="en-US" sz="3200" dirty="0" err="1" smtClean="0"/>
+              <a:t>Ensembl</a:t>
+            </a:r>
+            <a:r>
+              <a:rPr lang="en-US" sz="3200" dirty="0" smtClean="0"/>
+              <a:t> 74</a:t>
+            </a:r>
+          </a:p>
+          <a:p>
+            <a:r>
+              <a:rPr lang="en-US" sz="3200" dirty="0" err="1" smtClean="0"/>
+              <a:t>Ensembl</a:t>
+            </a:r>
+            <a:r>
+              <a:rPr lang="en-US" sz="3200" dirty="0" smtClean="0"/>
+              <a:t> 75</a:t>
+            </a:r>
+            <a:endParaRPr lang="en-US" sz="3200" dirty="0"/>
+          </a:p>
+        </p:txBody>
+      </p:sp>
+      <p:sp>
+        <p:nvSpPr>
+          <p:cNvPr id="5" name="TextBox 4"/>
+          <p:cNvSpPr txBox="1"/>
+          <p:nvPr/>
+        </p:nvSpPr>
+        <p:spPr>
+          <a:xfrm>
+            <a:off x="312615" y="696138"/>
+            <a:ext cx="1400143" cy="830997"/>
+          </a:xfrm>
+          <a:prstGeom prst="rect">
+            <a:avLst/>
+          </a:prstGeom>
+          <a:noFill/>
+        </p:spPr>
+        <p:txBody>
+          <a:bodyPr wrap="none" rtlCol="0">
+            <a:spAutoFit/>
+          </a:bodyPr>
+          <a:lstStyle/>
+          <a:p>
+            <a:r>
+              <a:rPr lang="en-US" sz="4800" dirty="0" smtClean="0"/>
+              <a:t>NCBI</a:t>
+            </a:r>
+            <a:endParaRPr lang="en-US" sz="4800" dirty="0"/>
+          </a:p>
+        </p:txBody>
+      </p:sp>
+      <p:sp>
+        <p:nvSpPr>
+          <p:cNvPr id="6" name="TextBox 5"/>
+          <p:cNvSpPr txBox="1"/>
+          <p:nvPr/>
+        </p:nvSpPr>
+        <p:spPr>
+          <a:xfrm>
+            <a:off x="312615" y="2453378"/>
+            <a:ext cx="2312051" cy="830997"/>
+          </a:xfrm>
+          <a:prstGeom prst="rect">
+            <a:avLst/>
+          </a:prstGeom>
+          <a:noFill/>
+        </p:spPr>
+        <p:txBody>
+          <a:bodyPr wrap="none" rtlCol="0">
+            <a:spAutoFit/>
+          </a:bodyPr>
+          <a:lstStyle/>
+          <a:p>
+            <a:r>
+              <a:rPr lang="en-US" sz="4800" dirty="0" err="1" smtClean="0"/>
+              <a:t>Ensembl</a:t>
+            </a:r>
+            <a:endParaRPr lang="en-US" sz="4800" dirty="0"/>
+          </a:p>
+        </p:txBody>
+      </p:sp>
+    </p:spTree>
+    <p:extLst>
+      <p:ext uri="{BB962C8B-B14F-4D97-AF65-F5344CB8AC3E}">
+        <p14:creationId xmlns:p14="http://schemas.microsoft.com/office/powerpoint/2010/main" val="2703441075"/>
+      </p:ext>
+    </p:extLst>
+  </p:cSld>
+  <p:clrMapOvr>
+    <a:masterClrMapping/>
+  </p:clrMapOvr>
+</p:sld>
+</file>
+
+<file path=ppt/slides/slide23.xml><?xml version="1.0" encoding="utf-8"?>
+<p:sld xmlns:a="http://schemas.openxmlformats.org/drawingml/2006/main" xmlns:r="http://schemas.openxmlformats.org/officeDocument/2006/relationships" xmlns:p="http://schemas.openxmlformats.org/presentationml/2006/main">
+  <p:cSld>
+    <p:spTree>
+      <p:nvGrpSpPr>
+        <p:cNvPr id="1" name=""/>
+        <p:cNvGrpSpPr/>
+        <p:nvPr/>
+      </p:nvGrpSpPr>
+      <p:grpSpPr>
+        <a:xfrm>
+          <a:off x="0" y="0"/>
+          <a:ext cx="0" cy="0"/>
+          <a:chOff x="0" y="0"/>
+          <a:chExt cx="0" cy="0"/>
+        </a:xfrm>
+      </p:grpSpPr>
+      <p:sp>
+        <p:nvSpPr>
+          <p:cNvPr id="3" name="TextBox 2"/>
+          <p:cNvSpPr txBox="1"/>
+          <p:nvPr/>
+        </p:nvSpPr>
+        <p:spPr>
+          <a:xfrm>
+            <a:off x="0" y="49807"/>
+            <a:ext cx="7252782" cy="646331"/>
+          </a:xfrm>
+          <a:prstGeom prst="rect">
+            <a:avLst/>
+          </a:prstGeom>
+          <a:noFill/>
+        </p:spPr>
+        <p:txBody>
+          <a:bodyPr wrap="none" rtlCol="0">
+            <a:spAutoFit/>
+          </a:bodyPr>
+          <a:lstStyle/>
+          <a:p>
+            <a:r>
+              <a:rPr lang="en-US" sz="3600" dirty="0" smtClean="0">
+                <a:solidFill>
+                  <a:srgbClr val="008000"/>
+                </a:solidFill>
+                <a:latin typeface="+mj-lt"/>
+              </a:rPr>
+              <a:t>Annotation should have versions too!</a:t>
+            </a:r>
+            <a:endParaRPr lang="en-US" sz="3600" dirty="0">
+              <a:solidFill>
+                <a:srgbClr val="008000"/>
+              </a:solidFill>
+              <a:latin typeface="+mj-lt"/>
+            </a:endParaRPr>
+          </a:p>
+        </p:txBody>
+      </p:sp>
+      <p:pic>
+        <p:nvPicPr>
+          <p:cNvPr id="11" name="Picture 10"/>
+          <p:cNvPicPr>
+            <a:picLocks noChangeAspect="1"/>
+          </p:cNvPicPr>
+          <p:nvPr/>
+        </p:nvPicPr>
+        <p:blipFill>
+          <a:blip r:embed="rId2"/>
+          <a:stretch>
+            <a:fillRect/>
+          </a:stretch>
+        </p:blipFill>
+        <p:spPr>
+          <a:xfrm>
+            <a:off x="0" y="1415888"/>
+            <a:ext cx="9144000" cy="2710295"/>
+          </a:xfrm>
+          <a:prstGeom prst="rect">
+            <a:avLst/>
+          </a:prstGeom>
+        </p:spPr>
+      </p:pic>
+      <p:sp>
+        <p:nvSpPr>
+          <p:cNvPr id="14" name="TextBox 13"/>
+          <p:cNvSpPr txBox="1"/>
+          <p:nvPr/>
+        </p:nvSpPr>
+        <p:spPr>
+          <a:xfrm>
+            <a:off x="89805" y="854375"/>
+            <a:ext cx="2111676" cy="584776"/>
+          </a:xfrm>
+          <a:prstGeom prst="rect">
+            <a:avLst/>
+          </a:prstGeom>
+          <a:noFill/>
+        </p:spPr>
+        <p:txBody>
+          <a:bodyPr wrap="none" rtlCol="0">
+            <a:spAutoFit/>
+          </a:bodyPr>
+          <a:lstStyle/>
+          <a:p>
+            <a:r>
+              <a:rPr lang="en-US" sz="3200" dirty="0" err="1" smtClean="0"/>
+              <a:t>Ensembl</a:t>
+            </a:r>
+            <a:r>
+              <a:rPr lang="en-US" sz="3200" dirty="0" smtClean="0"/>
+              <a:t> 74</a:t>
+            </a:r>
+            <a:endParaRPr lang="en-US" sz="3200" dirty="0"/>
+          </a:p>
+        </p:txBody>
+      </p:sp>
+      <p:sp>
+        <p:nvSpPr>
+          <p:cNvPr id="15" name="TextBox 14"/>
+          <p:cNvSpPr txBox="1"/>
+          <p:nvPr/>
+        </p:nvSpPr>
+        <p:spPr>
+          <a:xfrm>
+            <a:off x="89805" y="4291817"/>
+            <a:ext cx="2111676" cy="584776"/>
+          </a:xfrm>
+          <a:prstGeom prst="rect">
+            <a:avLst/>
+          </a:prstGeom>
+          <a:noFill/>
+        </p:spPr>
+        <p:txBody>
+          <a:bodyPr wrap="none" rtlCol="0">
+            <a:spAutoFit/>
+          </a:bodyPr>
+          <a:lstStyle/>
+          <a:p>
+            <a:r>
+              <a:rPr lang="en-US" sz="3200" dirty="0" err="1" smtClean="0"/>
+              <a:t>Ensembl</a:t>
+            </a:r>
+            <a:r>
+              <a:rPr lang="en-US" sz="3200" dirty="0"/>
+              <a:t> </a:t>
+            </a:r>
+            <a:r>
+              <a:rPr lang="en-US" sz="3200" dirty="0" smtClean="0"/>
+              <a:t>68</a:t>
+            </a:r>
+            <a:endParaRPr lang="en-US" sz="3200" dirty="0"/>
+          </a:p>
+        </p:txBody>
+      </p:sp>
+    </p:spTree>
+    <p:extLst>
+      <p:ext uri="{BB962C8B-B14F-4D97-AF65-F5344CB8AC3E}">
+        <p14:creationId xmlns:p14="http://schemas.microsoft.com/office/powerpoint/2010/main" val="444739201"/>
+      </p:ext>
+    </p:extLst>
+  </p:cSld>
+  <p:clrMapOvr>
+    <a:masterClrMapping/>
+  </p:clrMapOvr>
+</p:sld>
+</file>
+
+<file path=ppt/slides/slide24.xml><?xml version="1.0" encoding="utf-8"?>
+<p:sld xmlns:a="http://schemas.openxmlformats.org/drawingml/2006/main" xmlns:r="http://schemas.openxmlformats.org/officeDocument/2006/relationships" xmlns:p="http://schemas.openxmlformats.org/presentationml/2006/main">
+  <p:cSld>
+    <p:spTree>
+      <p:nvGrpSpPr>
+        <p:cNvPr id="1" name=""/>
+        <p:cNvGrpSpPr/>
+        <p:nvPr/>
+      </p:nvGrpSpPr>
+      <p:grpSpPr>
+        <a:xfrm>
+          <a:off x="0" y="0"/>
+          <a:ext cx="0" cy="0"/>
+          <a:chOff x="0" y="0"/>
+          <a:chExt cx="0" cy="0"/>
+        </a:xfrm>
+      </p:grpSpPr>
+      <p:sp>
+        <p:nvSpPr>
+          <p:cNvPr id="2" name="TextBox 1"/>
+          <p:cNvSpPr txBox="1"/>
+          <p:nvPr/>
+        </p:nvSpPr>
+        <p:spPr>
+          <a:xfrm>
             <a:off x="-25658" y="23748"/>
             <a:ext cx="4240689" cy="646331"/>
           </a:xfrm>
@@ -12723,7 +13059,7 @@
         <p:spPr>
           <a:xfrm>
             <a:off x="580849" y="1570917"/>
-            <a:ext cx="7994496" cy="2554545"/>
+            <a:ext cx="7994496" cy="3046988"/>
           </a:xfrm>
           <a:prstGeom prst="rect">
             <a:avLst/>
@@ -12806,6 +13142,20 @@
               <a:rPr lang="en-US" sz="3200" dirty="0" smtClean="0"/>
               <a:t> is NCBI specific </a:t>
             </a:r>
+            <a:endParaRPr lang="en-US" sz="3200" dirty="0" smtClean="0"/>
+          </a:p>
+          <a:p>
+            <a:pPr marL="457200" indent="-457200">
+              <a:buSzPct val="100000"/>
+              <a:buBlip>
+                <a:blip r:embed="rId2"/>
+              </a:buBlip>
+            </a:pPr>
+            <a:r>
+              <a:rPr lang="en-US" sz="3200" dirty="0" smtClean="0"/>
+              <a:t>Track annotation too!</a:t>
+            </a:r>
+            <a:endParaRPr lang="en-US" sz="3200" dirty="0" smtClean="0"/>
           </a:p>
         </p:txBody>
       </p:sp>
@@ -15604,7 +15954,7 @@
               <a:graphicData uri="http://schemas.openxmlformats.org/presentationml/2006/ole">
                 <mc:AlternateContent xmlns:mc="http://schemas.openxmlformats.org/markup-compatibility/2006">
                   <mc:Choice xmlns:v="urn:schemas-microsoft-com:vml" Requires="v">
-                    <p:oleObj spid="_x0000_s1044" r:id="rId4" imgW="393512" imgH="3758730" progId="">
+                    <p:oleObj spid="_x0000_s1057" r:id="rId4" imgW="393512" imgH="3758730" progId="">
                       <p:embed/>
                     </p:oleObj>
                   </mc:Choice>
@@ -15699,7 +16049,7 @@
               <a:graphicData uri="http://schemas.openxmlformats.org/presentationml/2006/ole">
                 <mc:AlternateContent xmlns:mc="http://schemas.openxmlformats.org/markup-compatibility/2006">
                   <mc:Choice xmlns:v="urn:schemas-microsoft-com:vml" Requires="v">
-                    <p:oleObj spid="_x0000_s1045" name="Image" r:id="rId6" imgW="406063" imgH="4241270" progId="">
+                    <p:oleObj spid="_x0000_s1058" name="Image" r:id="rId6" imgW="406063" imgH="4241270" progId="">
                       <p:embed/>
                     </p:oleObj>
                   </mc:Choice>
